--- a/CBP專案/退回&作廢.pptx
+++ b/CBP專案/退回&作廢.pptx
@@ -7,6 +7,9 @@
   <p:sldIdLst>
     <p:sldId id="256" r:id="rId2"/>
     <p:sldId id="257" r:id="rId3"/>
+    <p:sldId id="258" r:id="rId4"/>
+    <p:sldId id="260" r:id="rId5"/>
+    <p:sldId id="259" r:id="rId6"/>
   </p:sldIdLst>
   <p:sldSz cx="12192000" cy="6858000"/>
   <p:notesSz cx="6858000" cy="9144000"/>
@@ -105,6 +108,11 @@
       </a:defRPr>
     </a:lvl9pPr>
   </p:defaultTextStyle>
+  <p:extLst>
+    <p:ext uri="{EFAFB233-063F-42B5-8137-9DF3F51BA10A}">
+      <p15:sldGuideLst xmlns:p15="http://schemas.microsoft.com/office/powerpoint/2012/main"/>
+    </p:ext>
+  </p:extLst>
 </p:presentation>
 </file>
 
@@ -255,7 +263,7 @@
           <a:p>
             <a:fld id="{6C7F2551-9F6C-44B5-880F-AA7CE6DE8A99}" type="datetimeFigureOut">
               <a:rPr lang="zh-TW" altLang="en-US" smtClean="0"/>
-              <a:t>2023/2/23</a:t>
+              <a:t>2023/3/13</a:t>
             </a:fld>
             <a:endParaRPr lang="zh-TW" altLang="en-US"/>
           </a:p>
@@ -453,7 +461,7 @@
           <a:p>
             <a:fld id="{6C7F2551-9F6C-44B5-880F-AA7CE6DE8A99}" type="datetimeFigureOut">
               <a:rPr lang="zh-TW" altLang="en-US" smtClean="0"/>
-              <a:t>2023/2/23</a:t>
+              <a:t>2023/3/13</a:t>
             </a:fld>
             <a:endParaRPr lang="zh-TW" altLang="en-US"/>
           </a:p>
@@ -661,7 +669,7 @@
           <a:p>
             <a:fld id="{6C7F2551-9F6C-44B5-880F-AA7CE6DE8A99}" type="datetimeFigureOut">
               <a:rPr lang="zh-TW" altLang="en-US" smtClean="0"/>
-              <a:t>2023/2/23</a:t>
+              <a:t>2023/3/13</a:t>
             </a:fld>
             <a:endParaRPr lang="zh-TW" altLang="en-US"/>
           </a:p>
@@ -859,7 +867,7 @@
           <a:p>
             <a:fld id="{6C7F2551-9F6C-44B5-880F-AA7CE6DE8A99}" type="datetimeFigureOut">
               <a:rPr lang="zh-TW" altLang="en-US" smtClean="0"/>
-              <a:t>2023/2/23</a:t>
+              <a:t>2023/3/13</a:t>
             </a:fld>
             <a:endParaRPr lang="zh-TW" altLang="en-US"/>
           </a:p>
@@ -1134,7 +1142,7 @@
           <a:p>
             <a:fld id="{6C7F2551-9F6C-44B5-880F-AA7CE6DE8A99}" type="datetimeFigureOut">
               <a:rPr lang="zh-TW" altLang="en-US" smtClean="0"/>
-              <a:t>2023/2/23</a:t>
+              <a:t>2023/3/13</a:t>
             </a:fld>
             <a:endParaRPr lang="zh-TW" altLang="en-US"/>
           </a:p>
@@ -1399,7 +1407,7 @@
           <a:p>
             <a:fld id="{6C7F2551-9F6C-44B5-880F-AA7CE6DE8A99}" type="datetimeFigureOut">
               <a:rPr lang="zh-TW" altLang="en-US" smtClean="0"/>
-              <a:t>2023/2/23</a:t>
+              <a:t>2023/3/13</a:t>
             </a:fld>
             <a:endParaRPr lang="zh-TW" altLang="en-US"/>
           </a:p>
@@ -1811,7 +1819,7 @@
           <a:p>
             <a:fld id="{6C7F2551-9F6C-44B5-880F-AA7CE6DE8A99}" type="datetimeFigureOut">
               <a:rPr lang="zh-TW" altLang="en-US" smtClean="0"/>
-              <a:t>2023/2/23</a:t>
+              <a:t>2023/3/13</a:t>
             </a:fld>
             <a:endParaRPr lang="zh-TW" altLang="en-US"/>
           </a:p>
@@ -1952,7 +1960,7 @@
           <a:p>
             <a:fld id="{6C7F2551-9F6C-44B5-880F-AA7CE6DE8A99}" type="datetimeFigureOut">
               <a:rPr lang="zh-TW" altLang="en-US" smtClean="0"/>
-              <a:t>2023/2/23</a:t>
+              <a:t>2023/3/13</a:t>
             </a:fld>
             <a:endParaRPr lang="zh-TW" altLang="en-US"/>
           </a:p>
@@ -2065,7 +2073,7 @@
           <a:p>
             <a:fld id="{6C7F2551-9F6C-44B5-880F-AA7CE6DE8A99}" type="datetimeFigureOut">
               <a:rPr lang="zh-TW" altLang="en-US" smtClean="0"/>
-              <a:t>2023/2/23</a:t>
+              <a:t>2023/3/13</a:t>
             </a:fld>
             <a:endParaRPr lang="zh-TW" altLang="en-US"/>
           </a:p>
@@ -2376,7 +2384,7 @@
           <a:p>
             <a:fld id="{6C7F2551-9F6C-44B5-880F-AA7CE6DE8A99}" type="datetimeFigureOut">
               <a:rPr lang="zh-TW" altLang="en-US" smtClean="0"/>
-              <a:t>2023/2/23</a:t>
+              <a:t>2023/3/13</a:t>
             </a:fld>
             <a:endParaRPr lang="zh-TW" altLang="en-US"/>
           </a:p>
@@ -2664,7 +2672,7 @@
           <a:p>
             <a:fld id="{6C7F2551-9F6C-44B5-880F-AA7CE6DE8A99}" type="datetimeFigureOut">
               <a:rPr lang="zh-TW" altLang="en-US" smtClean="0"/>
-              <a:t>2023/2/23</a:t>
+              <a:t>2023/3/13</a:t>
             </a:fld>
             <a:endParaRPr lang="zh-TW" altLang="en-US"/>
           </a:p>
@@ -2905,7 +2913,7 @@
           <a:p>
             <a:fld id="{6C7F2551-9F6C-44B5-880F-AA7CE6DE8A99}" type="datetimeFigureOut">
               <a:rPr lang="zh-TW" altLang="en-US" smtClean="0"/>
-              <a:t>2023/2/23</a:t>
+              <a:t>2023/3/13</a:t>
             </a:fld>
             <a:endParaRPr lang="zh-TW" altLang="en-US"/>
           </a:p>
@@ -3422,8 +3430,287 @@
           <a:lstStyle/>
           <a:p>
             <a:r>
-              <a:rPr lang="zh-TW" altLang="en-US" dirty="0"/>
-              <a:t>合併後退回</a:t>
+              <a:rPr lang="zh-TW" altLang="en-US" dirty="0">
+                <a:latin typeface="BiauKai" panose="02010601000101010101" pitchFamily="2" charset="-120"/>
+                <a:ea typeface="BiauKai" panose="02010601000101010101" pitchFamily="2" charset="-120"/>
+              </a:rPr>
+              <a:t>待合併</a:t>
+            </a:r>
+            <a:r>
+              <a:rPr lang="en-US" altLang="zh-TW" dirty="0">
+                <a:latin typeface="BiauKai" panose="02010601000101010101" pitchFamily="2" charset="-120"/>
+                <a:ea typeface="BiauKai" panose="02010601000101010101" pitchFamily="2" charset="-120"/>
+              </a:rPr>
+              <a:t>(</a:t>
+            </a:r>
+            <a:r>
+              <a:rPr lang="zh-TW" altLang="en-US" dirty="0">
+                <a:latin typeface="BiauKai" panose="02010601000101010101" pitchFamily="2" charset="-120"/>
+                <a:ea typeface="BiauKai" panose="02010601000101010101" pitchFamily="2" charset="-120"/>
+              </a:rPr>
+              <a:t>查詢發票主檔</a:t>
+            </a:r>
+            <a:r>
+              <a:rPr lang="en-US" altLang="zh-TW" dirty="0">
+                <a:latin typeface="BiauKai" panose="02010601000101010101" pitchFamily="2" charset="-120"/>
+                <a:ea typeface="BiauKai" panose="02010601000101010101" pitchFamily="2" charset="-120"/>
+              </a:rPr>
+              <a:t>)</a:t>
+            </a:r>
+            <a:endParaRPr lang="zh-TW" altLang="en-US" dirty="0">
+              <a:latin typeface="BiauKai" panose="02010601000101010101" pitchFamily="2" charset="-120"/>
+              <a:ea typeface="BiauKai" panose="02010601000101010101" pitchFamily="2" charset="-120"/>
+            </a:endParaRPr>
+          </a:p>
+        </p:txBody>
+      </p:sp>
+      <p:sp>
+        <p:nvSpPr>
+          <p:cNvPr id="4" name="文字方塊 3">
+            <a:extLst>
+              <a:ext uri="{FF2B5EF4-FFF2-40B4-BE49-F238E27FC236}">
+                <a16:creationId xmlns:a16="http://schemas.microsoft.com/office/drawing/2014/main" id="{4274E3E7-6488-9E13-C2BE-CA8AB9654E5C}"/>
+              </a:ext>
+            </a:extLst>
+          </p:cNvPr>
+          <p:cNvSpPr txBox="1"/>
+          <p:nvPr/>
+        </p:nvSpPr>
+        <p:spPr>
+          <a:xfrm>
+            <a:off x="838200" y="3725288"/>
+            <a:ext cx="11233935" cy="646331"/>
+          </a:xfrm>
+          <a:prstGeom prst="rect">
+            <a:avLst/>
+          </a:prstGeom>
+          <a:noFill/>
+        </p:spPr>
+        <p:txBody>
+          <a:bodyPr wrap="square">
+            <a:spAutoFit/>
+          </a:bodyPr>
+          <a:lstStyle/>
+          <a:p>
+            <a:r>
+              <a:rPr lang="en-US" altLang="zh-TW" sz="1200" dirty="0"/>
+              <a:t>Method: GET</a:t>
+            </a:r>
+          </a:p>
+          <a:p>
+            <a:r>
+              <a:rPr lang="en-US" altLang="zh-TW" sz="1200" dirty="0"/>
+              <a:t>URL: </a:t>
+            </a:r>
+            <a:r>
+              <a:rPr lang="zh-TW" altLang="en-US" sz="1200" dirty="0"/>
+              <a:t>http://localhost:8000/api/v1/InvoiceMaster/</a:t>
+            </a:r>
+            <a:r>
+              <a:rPr lang="en-US" altLang="zh-TW" sz="1200" dirty="0">
+                <a:highlight>
+                  <a:srgbClr val="FFFF00"/>
+                </a:highlight>
+              </a:rPr>
+              <a:t>Status=TO_MERGE</a:t>
+            </a:r>
+            <a:r>
+              <a:rPr lang="en-US" altLang="zh-TW" sz="1200" dirty="0"/>
+              <a:t>&amp;</a:t>
+            </a:r>
+            <a:r>
+              <a:rPr lang="zh-TW" altLang="en-US" sz="1200" dirty="0"/>
+              <a:t>PartyName=會員名稱&amp;SupplierName=供應商名稱&amp;SubmarineCable=海纜名稱&amp;WorkTitle=海纜作業</a:t>
+            </a:r>
+            <a:r>
+              <a:rPr lang="en-US" altLang="zh-TW" sz="1200" dirty="0"/>
+              <a:t>...</a:t>
+            </a:r>
+          </a:p>
+          <a:p>
+            <a:r>
+              <a:rPr lang="zh-TW" altLang="en-US" sz="1200" dirty="0">
+                <a:highlight>
+                  <a:srgbClr val="FFFF00"/>
+                </a:highlight>
+              </a:rPr>
+              <a:t>回傳內容格式請參閱下一頁</a:t>
+            </a:r>
+            <a:endParaRPr lang="en-US" altLang="zh-TW" sz="1200" dirty="0">
+              <a:highlight>
+                <a:srgbClr val="FFFF00"/>
+              </a:highlight>
+            </a:endParaRPr>
+          </a:p>
+        </p:txBody>
+      </p:sp>
+      <p:pic>
+        <p:nvPicPr>
+          <p:cNvPr id="8" name="圖片 7">
+            <a:extLst>
+              <a:ext uri="{FF2B5EF4-FFF2-40B4-BE49-F238E27FC236}">
+                <a16:creationId xmlns:a16="http://schemas.microsoft.com/office/drawing/2014/main" id="{FB181CE0-938D-F557-F82B-EBF889EA44F7}"/>
+              </a:ext>
+            </a:extLst>
+          </p:cNvPr>
+          <p:cNvPicPr>
+            <a:picLocks noChangeAspect="1"/>
+          </p:cNvPicPr>
+          <p:nvPr/>
+        </p:nvPicPr>
+        <p:blipFill>
+          <a:blip r:embed="rId2">
+            <a:extLst>
+              <a:ext uri="{28A0092B-C50C-407E-A947-70E740481C1C}">
+                <a14:useLocalDpi xmlns:a14="http://schemas.microsoft.com/office/drawing/2010/main" val="0"/>
+              </a:ext>
+            </a:extLst>
+          </a:blip>
+          <a:stretch>
+            <a:fillRect/>
+          </a:stretch>
+        </p:blipFill>
+        <p:spPr>
+          <a:xfrm>
+            <a:off x="838200" y="1520448"/>
+            <a:ext cx="7772400" cy="1902469"/>
+          </a:xfrm>
+          <a:prstGeom prst="rect">
+            <a:avLst/>
+          </a:prstGeom>
+        </p:spPr>
+      </p:pic>
+      <p:sp>
+        <p:nvSpPr>
+          <p:cNvPr id="9" name="矩形 8">
+            <a:extLst>
+              <a:ext uri="{FF2B5EF4-FFF2-40B4-BE49-F238E27FC236}">
+                <a16:creationId xmlns:a16="http://schemas.microsoft.com/office/drawing/2014/main" id="{D6A90B63-4DB1-9C1F-5ACB-A47BBD38A361}"/>
+              </a:ext>
+            </a:extLst>
+          </p:cNvPr>
+          <p:cNvSpPr/>
+          <p:nvPr/>
+        </p:nvSpPr>
+        <p:spPr>
+          <a:xfrm>
+            <a:off x="947929" y="2671351"/>
+            <a:ext cx="478536" cy="309594"/>
+          </a:xfrm>
+          <a:prstGeom prst="rect">
+            <a:avLst/>
+          </a:prstGeom>
+          <a:noFill/>
+          <a:ln>
+            <a:solidFill>
+              <a:srgbClr val="FF0000"/>
+            </a:solidFill>
+          </a:ln>
+        </p:spPr>
+        <p:style>
+          <a:lnRef idx="2">
+            <a:schemeClr val="accent1">
+              <a:shade val="50000"/>
+            </a:schemeClr>
+          </a:lnRef>
+          <a:fillRef idx="1">
+            <a:schemeClr val="accent1"/>
+          </a:fillRef>
+          <a:effectRef idx="0">
+            <a:schemeClr val="accent1"/>
+          </a:effectRef>
+          <a:fontRef idx="minor">
+            <a:schemeClr val="lt1"/>
+          </a:fontRef>
+        </p:style>
+        <p:txBody>
+          <a:bodyPr rtlCol="0" anchor="ctr"/>
+          <a:lstStyle/>
+          <a:p>
+            <a:pPr algn="ctr"/>
+            <a:endParaRPr kumimoji="1" lang="zh-TW" altLang="en-US"/>
+          </a:p>
+        </p:txBody>
+      </p:sp>
+      <p:cxnSp>
+        <p:nvCxnSpPr>
+          <p:cNvPr id="11" name="直線箭頭接點 10">
+            <a:extLst>
+              <a:ext uri="{FF2B5EF4-FFF2-40B4-BE49-F238E27FC236}">
+                <a16:creationId xmlns:a16="http://schemas.microsoft.com/office/drawing/2014/main" id="{43A3F14F-E0C8-21C3-D02B-021F23C5082A}"/>
+              </a:ext>
+            </a:extLst>
+          </p:cNvPr>
+          <p:cNvCxnSpPr>
+            <a:stCxn id="9" idx="2"/>
+          </p:cNvCxnSpPr>
+          <p:nvPr/>
+        </p:nvCxnSpPr>
+        <p:spPr>
+          <a:xfrm>
+            <a:off x="1187197" y="2980945"/>
+            <a:ext cx="3192779" cy="960119"/>
+          </a:xfrm>
+          <a:prstGeom prst="straightConnector1">
+            <a:avLst/>
+          </a:prstGeom>
+          <a:ln>
+            <a:solidFill>
+              <a:srgbClr val="FF0000"/>
+            </a:solidFill>
+            <a:tailEnd type="triangle"/>
+          </a:ln>
+        </p:spPr>
+        <p:style>
+          <a:lnRef idx="1">
+            <a:schemeClr val="accent1"/>
+          </a:lnRef>
+          <a:fillRef idx="0">
+            <a:schemeClr val="accent1"/>
+          </a:fillRef>
+          <a:effectRef idx="0">
+            <a:schemeClr val="accent1"/>
+          </a:effectRef>
+          <a:fontRef idx="minor">
+            <a:schemeClr val="tx1"/>
+          </a:fontRef>
+        </p:style>
+      </p:cxnSp>
+      <p:sp>
+        <p:nvSpPr>
+          <p:cNvPr id="13" name="文字方塊 12">
+            <a:extLst>
+              <a:ext uri="{FF2B5EF4-FFF2-40B4-BE49-F238E27FC236}">
+                <a16:creationId xmlns:a16="http://schemas.microsoft.com/office/drawing/2014/main" id="{A4FA6512-6DD4-80B4-C07A-B1753E288AC6}"/>
+              </a:ext>
+            </a:extLst>
+          </p:cNvPr>
+          <p:cNvSpPr txBox="1"/>
+          <p:nvPr/>
+        </p:nvSpPr>
+        <p:spPr>
+          <a:xfrm>
+            <a:off x="3049524" y="3244334"/>
+            <a:ext cx="672084" cy="369332"/>
+          </a:xfrm>
+          <a:prstGeom prst="rect">
+            <a:avLst/>
+          </a:prstGeom>
+          <a:noFill/>
+        </p:spPr>
+        <p:txBody>
+          <a:bodyPr wrap="square">
+            <a:spAutoFit/>
+          </a:bodyPr>
+          <a:lstStyle/>
+          <a:p>
+            <a:r>
+              <a:rPr lang="zh-TW" altLang="en-US" b="1" dirty="0">
+                <a:solidFill>
+                  <a:srgbClr val="FF0000"/>
+                </a:solidFill>
+              </a:rPr>
+              <a:t>必加</a:t>
             </a:r>
           </a:p>
         </p:txBody>
@@ -3432,6 +3719,1370 @@
     <p:extLst>
       <p:ext uri="{BB962C8B-B14F-4D97-AF65-F5344CB8AC3E}">
         <p14:creationId xmlns:p14="http://schemas.microsoft.com/office/powerpoint/2010/main" val="3148035787"/>
+      </p:ext>
+    </p:extLst>
+  </p:cSld>
+  <p:clrMapOvr>
+    <a:masterClrMapping/>
+  </p:clrMapOvr>
+</p:sld>
+</file>
+
+<file path=ppt/slides/slide3.xml><?xml version="1.0" encoding="utf-8"?>
+<p:sld xmlns:a="http://schemas.openxmlformats.org/drawingml/2006/main" xmlns:r="http://schemas.openxmlformats.org/officeDocument/2006/relationships" xmlns:p="http://schemas.openxmlformats.org/presentationml/2006/main">
+  <p:cSld>
+    <p:spTree>
+      <p:nvGrpSpPr>
+        <p:cNvPr id="1" name=""/>
+        <p:cNvGrpSpPr/>
+        <p:nvPr/>
+      </p:nvGrpSpPr>
+      <p:grpSpPr>
+        <a:xfrm>
+          <a:off x="0" y="0"/>
+          <a:ext cx="0" cy="0"/>
+          <a:chOff x="0" y="0"/>
+          <a:chExt cx="0" cy="0"/>
+        </a:xfrm>
+      </p:grpSpPr>
+      <p:sp>
+        <p:nvSpPr>
+          <p:cNvPr id="9" name="文字方塊 8">
+            <a:extLst>
+              <a:ext uri="{FF2B5EF4-FFF2-40B4-BE49-F238E27FC236}">
+                <a16:creationId xmlns:a16="http://schemas.microsoft.com/office/drawing/2014/main" id="{3669A1BC-5DDB-7ECA-AD89-2619B64D8A89}"/>
+              </a:ext>
+            </a:extLst>
+          </p:cNvPr>
+          <p:cNvSpPr txBox="1"/>
+          <p:nvPr/>
+        </p:nvSpPr>
+        <p:spPr>
+          <a:xfrm>
+            <a:off x="295382" y="304844"/>
+            <a:ext cx="6097712" cy="6401753"/>
+          </a:xfrm>
+          <a:prstGeom prst="rect">
+            <a:avLst/>
+          </a:prstGeom>
+          <a:noFill/>
+        </p:spPr>
+        <p:txBody>
+          <a:bodyPr wrap="square">
+            <a:spAutoFit/>
+          </a:bodyPr>
+          <a:lstStyle/>
+          <a:p>
+            <a:r>
+              <a:rPr lang="zh-TW" altLang="en-US" sz="1000" dirty="0"/>
+              <a:t>[</a:t>
+            </a:r>
+          </a:p>
+          <a:p>
+            <a:pPr lvl="1"/>
+            <a:r>
+              <a:rPr lang="zh-TW" altLang="en-US" sz="1000" dirty="0"/>
+              <a:t>{</a:t>
+            </a:r>
+          </a:p>
+          <a:p>
+            <a:pPr lvl="2"/>
+            <a:r>
+              <a:rPr lang="zh-TW" altLang="en-US" sz="1000" dirty="0"/>
+              <a:t>"InvoiceMaster": {</a:t>
+            </a:r>
+          </a:p>
+          <a:p>
+            <a:pPr lvl="2"/>
+            <a:r>
+              <a:rPr lang="zh-TW" altLang="en-US" sz="1000" dirty="0"/>
+              <a:t>"InvoiceNo": "DT0170168-1",</a:t>
+            </a:r>
+          </a:p>
+          <a:p>
+            <a:pPr lvl="2"/>
+            <a:r>
+              <a:rPr lang="zh-TW" altLang="en-US" sz="1000" dirty="0"/>
+              <a:t>"WKMasterID": 1,</a:t>
+            </a:r>
+          </a:p>
+          <a:p>
+            <a:pPr lvl="2"/>
+            <a:r>
+              <a:rPr lang="zh-TW" altLang="en-US" sz="1000" dirty="0"/>
+              <a:t>"PartyName": "CHT",</a:t>
+            </a:r>
+          </a:p>
+          <a:p>
+            <a:pPr lvl="2"/>
+            <a:r>
+              <a:rPr lang="zh-TW" altLang="en-US" sz="1000" dirty="0"/>
+              <a:t>"SubmarineCable": "SJC2",</a:t>
+            </a:r>
+          </a:p>
+          <a:p>
+            <a:pPr lvl="2"/>
+            <a:r>
+              <a:rPr lang="zh-TW" altLang="en-US" sz="1000" dirty="0"/>
+              <a:t>"ContractType": "SC",</a:t>
+            </a:r>
+          </a:p>
+          <a:p>
+            <a:pPr lvl="2"/>
+            <a:r>
+              <a:rPr lang="zh-TW" altLang="en-US" sz="1000" dirty="0"/>
+              <a:t>"DueDate": "2022-11-08T12:00:00",</a:t>
+            </a:r>
+          </a:p>
+          <a:p>
+            <a:pPr lvl="2"/>
+            <a:r>
+              <a:rPr lang="zh-TW" altLang="en-US" sz="1000" dirty="0"/>
+              <a:t>"IsPro": false,</a:t>
+            </a:r>
+          </a:p>
+          <a:p>
+            <a:pPr lvl="2"/>
+            <a:r>
+              <a:rPr lang="zh-TW" altLang="en-US" sz="1000" dirty="0"/>
+              <a:t>"InvMasterID": 9,</a:t>
+            </a:r>
+          </a:p>
+          <a:p>
+            <a:pPr lvl="2"/>
+            <a:r>
+              <a:rPr lang="zh-TW" altLang="en-US" sz="1000" dirty="0"/>
+              <a:t>"SupplierName": "NEC",</a:t>
+            </a:r>
+          </a:p>
+          <a:p>
+            <a:pPr lvl="2"/>
+            <a:r>
+              <a:rPr lang="zh-TW" altLang="en-US" sz="1000" dirty="0"/>
+              <a:t>"WorkTitle": "Construction",</a:t>
+            </a:r>
+          </a:p>
+          <a:p>
+            <a:pPr lvl="2"/>
+            <a:r>
+              <a:rPr lang="zh-TW" altLang="en-US" sz="1000" dirty="0"/>
+              <a:t>"IssueDate": "2022-09-09T12:00:00",</a:t>
+            </a:r>
+          </a:p>
+          <a:p>
+            <a:pPr lvl="2"/>
+            <a:r>
+              <a:rPr lang="zh-TW" altLang="en-US" sz="1000" dirty="0"/>
+              <a:t>"Status": "TO_MERGE"</a:t>
+            </a:r>
+          </a:p>
+          <a:p>
+            <a:pPr lvl="2"/>
+            <a:r>
+              <a:rPr lang="zh-TW" altLang="en-US" sz="1000" dirty="0"/>
+              <a:t>},</a:t>
+            </a:r>
+          </a:p>
+          <a:p>
+            <a:pPr lvl="2"/>
+            <a:r>
+              <a:rPr lang="zh-TW" altLang="en-US" sz="1000" dirty="0"/>
+              <a:t>"InvoiceDetail": [</a:t>
+            </a:r>
+          </a:p>
+          <a:p>
+            <a:pPr lvl="3"/>
+            <a:r>
+              <a:rPr lang="zh-TW" altLang="en-US" sz="1000" dirty="0"/>
+              <a:t>{</a:t>
+            </a:r>
+          </a:p>
+          <a:p>
+            <a:pPr lvl="4"/>
+            <a:r>
+              <a:rPr lang="zh-TW" altLang="en-US" sz="1000" dirty="0"/>
+              <a:t>"WKDetailID": 1,</a:t>
+            </a:r>
+          </a:p>
+          <a:p>
+            <a:pPr lvl="4"/>
+            <a:r>
+              <a:rPr lang="zh-TW" altLang="en-US" sz="1000" dirty="0"/>
+              <a:t>"InvDetailID": 33,</a:t>
+            </a:r>
+          </a:p>
+          <a:p>
+            <a:pPr lvl="4"/>
+            <a:r>
+              <a:rPr lang="zh-TW" altLang="en-US" sz="1000" dirty="0"/>
+              <a:t>"PartyName": "CHT",</a:t>
+            </a:r>
+          </a:p>
+          <a:p>
+            <a:pPr lvl="4"/>
+            <a:r>
+              <a:rPr lang="zh-TW" altLang="en-US" sz="1000" dirty="0"/>
+              <a:t>"SupplierName": "NEC",</a:t>
+            </a:r>
+          </a:p>
+          <a:p>
+            <a:pPr lvl="4"/>
+            <a:r>
+              <a:rPr lang="zh-TW" altLang="en-US" sz="1000" dirty="0"/>
+              <a:t>"WorkTitle": "Construction",</a:t>
+            </a:r>
+          </a:p>
+          <a:p>
+            <a:pPr lvl="4"/>
+            <a:r>
+              <a:rPr lang="zh-TW" altLang="en-US" sz="1000" dirty="0"/>
+              <a:t>"FeeItem": "BM12 Branching Units (100%)-Service",</a:t>
+            </a:r>
+          </a:p>
+          <a:p>
+            <a:pPr lvl="4"/>
+            <a:r>
+              <a:rPr lang="zh-TW" altLang="en-US" sz="1000" dirty="0"/>
+              <a:t>"LBRatio": 7.1428571429,</a:t>
+            </a:r>
+          </a:p>
+          <a:p>
+            <a:pPr lvl="4"/>
+            <a:r>
+              <a:rPr lang="zh-TW" altLang="en-US" sz="1000" dirty="0"/>
+              <a:t>"Difference": 0,</a:t>
+            </a:r>
+          </a:p>
+          <a:p>
+            <a:pPr lvl="4"/>
+            <a:r>
+              <a:rPr lang="zh-TW" altLang="en-US" sz="1000" dirty="0"/>
+              <a:t>"InvMasterID": 9,</a:t>
+            </a:r>
+          </a:p>
+          <a:p>
+            <a:pPr lvl="4"/>
+            <a:r>
+              <a:rPr lang="zh-TW" altLang="en-US" sz="1000" dirty="0"/>
+              <a:t>"WKMasterID": 1,</a:t>
+            </a:r>
+          </a:p>
+          <a:p>
+            <a:pPr lvl="4"/>
+            <a:r>
+              <a:rPr lang="zh-TW" altLang="en-US" sz="1000" dirty="0"/>
+              <a:t>"InvoiceNo": "DT0170168-1",</a:t>
+            </a:r>
+          </a:p>
+          <a:p>
+            <a:pPr lvl="4"/>
+            <a:r>
+              <a:rPr lang="zh-TW" altLang="en-US" sz="1000" dirty="0"/>
+              <a:t>"SubmarineCable": "SJC2",</a:t>
+            </a:r>
+          </a:p>
+          <a:p>
+            <a:pPr lvl="4"/>
+            <a:r>
+              <a:rPr lang="zh-TW" altLang="en-US" sz="1000" dirty="0"/>
+              <a:t>"BillMilestone": "BM12",</a:t>
+            </a:r>
+          </a:p>
+          <a:p>
+            <a:pPr lvl="4"/>
+            <a:r>
+              <a:rPr lang="zh-TW" altLang="en-US" sz="1000" dirty="0"/>
+              <a:t>"FeeAmountPre": 1487661.54,</a:t>
+            </a:r>
+          </a:p>
+          <a:p>
+            <a:pPr lvl="4"/>
+            <a:r>
+              <a:rPr lang="zh-TW" altLang="en-US" sz="1000" dirty="0"/>
+              <a:t>"FeeAmountPost": 106261.54</a:t>
+            </a:r>
+          </a:p>
+          <a:p>
+            <a:pPr lvl="3"/>
+            <a:r>
+              <a:rPr lang="zh-TW" altLang="en-US" sz="1000" dirty="0"/>
+              <a:t>}</a:t>
+            </a:r>
+            <a:r>
+              <a:rPr lang="en-US" altLang="zh-TW" sz="1000" dirty="0"/>
+              <a:t>,</a:t>
+            </a:r>
+          </a:p>
+          <a:p>
+            <a:pPr lvl="3"/>
+            <a:r>
+              <a:rPr lang="en-US" altLang="zh-TW" sz="1000" dirty="0"/>
+              <a:t>{…},</a:t>
+            </a:r>
+          </a:p>
+          <a:p>
+            <a:pPr lvl="3"/>
+            <a:r>
+              <a:rPr lang="en-US" altLang="zh-TW" sz="1000" dirty="0"/>
+              <a:t>{…},</a:t>
+            </a:r>
+            <a:endParaRPr lang="zh-TW" altLang="en-US" sz="1000" dirty="0"/>
+          </a:p>
+          <a:p>
+            <a:pPr lvl="2"/>
+            <a:r>
+              <a:rPr lang="zh-TW" altLang="en-US" sz="1000" dirty="0"/>
+              <a:t>]</a:t>
+            </a:r>
+          </a:p>
+          <a:p>
+            <a:pPr lvl="1"/>
+            <a:r>
+              <a:rPr lang="zh-TW" altLang="en-US" sz="1000" dirty="0"/>
+              <a:t>}</a:t>
+            </a:r>
+            <a:r>
+              <a:rPr lang="en-US" altLang="zh-TW" sz="1000" dirty="0"/>
+              <a:t>,</a:t>
+            </a:r>
+          </a:p>
+          <a:p>
+            <a:pPr lvl="1"/>
+            <a:r>
+              <a:rPr lang="en-US" altLang="zh-TW" sz="1000" dirty="0"/>
+              <a:t>{…},</a:t>
+            </a:r>
+          </a:p>
+          <a:p>
+            <a:pPr lvl="1"/>
+            <a:r>
+              <a:rPr lang="en-US" altLang="zh-TW" sz="1000" dirty="0"/>
+              <a:t>{…},</a:t>
+            </a:r>
+            <a:endParaRPr lang="zh-TW" altLang="en-US" sz="1000" dirty="0"/>
+          </a:p>
+          <a:p>
+            <a:r>
+              <a:rPr lang="zh-TW" altLang="en-US" sz="1000" dirty="0"/>
+              <a:t>]</a:t>
+            </a:r>
+          </a:p>
+        </p:txBody>
+      </p:sp>
+    </p:spTree>
+    <p:extLst>
+      <p:ext uri="{BB962C8B-B14F-4D97-AF65-F5344CB8AC3E}">
+        <p14:creationId xmlns:p14="http://schemas.microsoft.com/office/powerpoint/2010/main" val="2302029291"/>
+      </p:ext>
+    </p:extLst>
+  </p:cSld>
+  <p:clrMapOvr>
+    <a:masterClrMapping/>
+  </p:clrMapOvr>
+</p:sld>
+</file>
+
+<file path=ppt/slides/slide4.xml><?xml version="1.0" encoding="utf-8"?>
+<p:sld xmlns:a="http://schemas.openxmlformats.org/drawingml/2006/main" xmlns:r="http://schemas.openxmlformats.org/officeDocument/2006/relationships" xmlns:p="http://schemas.openxmlformats.org/presentationml/2006/main">
+  <p:cSld>
+    <p:spTree>
+      <p:nvGrpSpPr>
+        <p:cNvPr id="1" name=""/>
+        <p:cNvGrpSpPr/>
+        <p:nvPr/>
+      </p:nvGrpSpPr>
+      <p:grpSpPr>
+        <a:xfrm>
+          <a:off x="0" y="0"/>
+          <a:ext cx="0" cy="0"/>
+          <a:chOff x="0" y="0"/>
+          <a:chExt cx="0" cy="0"/>
+        </a:xfrm>
+      </p:grpSpPr>
+      <p:sp>
+        <p:nvSpPr>
+          <p:cNvPr id="2" name="標題 1">
+            <a:extLst>
+              <a:ext uri="{FF2B5EF4-FFF2-40B4-BE49-F238E27FC236}">
+                <a16:creationId xmlns:a16="http://schemas.microsoft.com/office/drawing/2014/main" id="{3836CCB7-05A9-2869-F7D2-E622246996BD}"/>
+              </a:ext>
+            </a:extLst>
+          </p:cNvPr>
+          <p:cNvSpPr>
+            <a:spLocks noGrp="1"/>
+          </p:cNvSpPr>
+          <p:nvPr>
+            <p:ph type="title"/>
+          </p:nvPr>
+        </p:nvSpPr>
+        <p:spPr>
+          <a:xfrm>
+            <a:off x="81742" y="-54414"/>
+            <a:ext cx="10515600" cy="1325563"/>
+          </a:xfrm>
+        </p:spPr>
+        <p:txBody>
+          <a:bodyPr/>
+          <a:lstStyle/>
+          <a:p>
+            <a:r>
+              <a:rPr lang="zh-TW" altLang="en-US" dirty="0">
+                <a:latin typeface="BiauKai" panose="02010601000101010101" pitchFamily="2" charset="-120"/>
+                <a:ea typeface="BiauKai" panose="02010601000101010101" pitchFamily="2" charset="-120"/>
+              </a:rPr>
+              <a:t>待合併</a:t>
+            </a:r>
+            <a:r>
+              <a:rPr lang="en-US" altLang="zh-TW" dirty="0">
+                <a:latin typeface="BiauKai" panose="02010601000101010101" pitchFamily="2" charset="-120"/>
+                <a:ea typeface="BiauKai" panose="02010601000101010101" pitchFamily="2" charset="-120"/>
+              </a:rPr>
+              <a:t>(</a:t>
+            </a:r>
+            <a:r>
+              <a:rPr lang="zh-TW" altLang="en-US" dirty="0">
+                <a:latin typeface="BiauKai" panose="02010601000101010101" pitchFamily="2" charset="-120"/>
+                <a:ea typeface="BiauKai" panose="02010601000101010101" pitchFamily="2" charset="-120"/>
+              </a:rPr>
+              <a:t>按</a:t>
+            </a:r>
+            <a:r>
+              <a:rPr lang="en-US" altLang="zh-TW" dirty="0">
+                <a:latin typeface="BiauKai" panose="02010601000101010101" pitchFamily="2" charset="-120"/>
+                <a:ea typeface="BiauKai" panose="02010601000101010101" pitchFamily="2" charset="-120"/>
+              </a:rPr>
+              <a:t>"+</a:t>
+            </a:r>
+            <a:r>
+              <a:rPr lang="zh-TW" altLang="en-US" dirty="0">
+                <a:latin typeface="BiauKai" panose="02010601000101010101" pitchFamily="2" charset="-120"/>
+                <a:ea typeface="BiauKai" panose="02010601000101010101" pitchFamily="2" charset="-120"/>
+              </a:rPr>
+              <a:t>合併帳單</a:t>
+            </a:r>
+            <a:r>
+              <a:rPr lang="en-US" altLang="zh-TW" dirty="0">
+                <a:latin typeface="BiauKai" panose="02010601000101010101" pitchFamily="2" charset="-120"/>
+                <a:ea typeface="BiauKai" panose="02010601000101010101" pitchFamily="2" charset="-120"/>
+              </a:rPr>
+              <a:t>")</a:t>
+            </a:r>
+            <a:endParaRPr kumimoji="1" lang="zh-TW" altLang="en-US" dirty="0"/>
+          </a:p>
+        </p:txBody>
+      </p:sp>
+      <p:pic>
+        <p:nvPicPr>
+          <p:cNvPr id="5" name="圖片 4">
+            <a:extLst>
+              <a:ext uri="{FF2B5EF4-FFF2-40B4-BE49-F238E27FC236}">
+                <a16:creationId xmlns:a16="http://schemas.microsoft.com/office/drawing/2014/main" id="{6F3E7E80-8BCB-DCB3-C100-2A5CC9CB5598}"/>
+              </a:ext>
+            </a:extLst>
+          </p:cNvPr>
+          <p:cNvPicPr>
+            <a:picLocks noChangeAspect="1"/>
+          </p:cNvPicPr>
+          <p:nvPr/>
+        </p:nvPicPr>
+        <p:blipFill>
+          <a:blip r:embed="rId2">
+            <a:extLst>
+              <a:ext uri="{28A0092B-C50C-407E-A947-70E740481C1C}">
+                <a14:useLocalDpi xmlns:a14="http://schemas.microsoft.com/office/drawing/2010/main" val="0"/>
+              </a:ext>
+            </a:extLst>
+          </a:blip>
+          <a:stretch>
+            <a:fillRect/>
+          </a:stretch>
+        </p:blipFill>
+        <p:spPr>
+          <a:xfrm>
+            <a:off x="265363" y="1166987"/>
+            <a:ext cx="8521190" cy="1166278"/>
+          </a:xfrm>
+          <a:prstGeom prst="rect">
+            <a:avLst/>
+          </a:prstGeom>
+        </p:spPr>
+      </p:pic>
+      <p:sp>
+        <p:nvSpPr>
+          <p:cNvPr id="6" name="矩形 5">
+            <a:extLst>
+              <a:ext uri="{FF2B5EF4-FFF2-40B4-BE49-F238E27FC236}">
+                <a16:creationId xmlns:a16="http://schemas.microsoft.com/office/drawing/2014/main" id="{9EED72EE-29C8-882F-0D32-1B93528C01AD}"/>
+              </a:ext>
+            </a:extLst>
+          </p:cNvPr>
+          <p:cNvSpPr/>
+          <p:nvPr/>
+        </p:nvSpPr>
+        <p:spPr>
+          <a:xfrm>
+            <a:off x="7714211" y="1492432"/>
+            <a:ext cx="548640" cy="257694"/>
+          </a:xfrm>
+          <a:prstGeom prst="rect">
+            <a:avLst/>
+          </a:prstGeom>
+          <a:noFill/>
+          <a:ln>
+            <a:solidFill>
+              <a:srgbClr val="FF0000"/>
+            </a:solidFill>
+          </a:ln>
+        </p:spPr>
+        <p:style>
+          <a:lnRef idx="2">
+            <a:schemeClr val="accent1">
+              <a:shade val="50000"/>
+            </a:schemeClr>
+          </a:lnRef>
+          <a:fillRef idx="1">
+            <a:schemeClr val="accent1"/>
+          </a:fillRef>
+          <a:effectRef idx="0">
+            <a:schemeClr val="accent1"/>
+          </a:effectRef>
+          <a:fontRef idx="minor">
+            <a:schemeClr val="lt1"/>
+          </a:fontRef>
+        </p:style>
+        <p:txBody>
+          <a:bodyPr rtlCol="0" anchor="ctr"/>
+          <a:lstStyle/>
+          <a:p>
+            <a:pPr algn="ctr"/>
+            <a:endParaRPr kumimoji="1" lang="zh-TW" altLang="en-US"/>
+          </a:p>
+        </p:txBody>
+      </p:sp>
+      <p:sp>
+        <p:nvSpPr>
+          <p:cNvPr id="8" name="文字方塊 7">
+            <a:extLst>
+              <a:ext uri="{FF2B5EF4-FFF2-40B4-BE49-F238E27FC236}">
+                <a16:creationId xmlns:a16="http://schemas.microsoft.com/office/drawing/2014/main" id="{4B5BC622-53A0-63F2-745E-B1FB5CE4FBF6}"/>
+              </a:ext>
+            </a:extLst>
+          </p:cNvPr>
+          <p:cNvSpPr txBox="1"/>
+          <p:nvPr/>
+        </p:nvSpPr>
+        <p:spPr>
+          <a:xfrm>
+            <a:off x="339437" y="2492549"/>
+            <a:ext cx="4418137" cy="2308324"/>
+          </a:xfrm>
+          <a:prstGeom prst="rect">
+            <a:avLst/>
+          </a:prstGeom>
+          <a:noFill/>
+        </p:spPr>
+        <p:txBody>
+          <a:bodyPr wrap="square">
+            <a:spAutoFit/>
+          </a:bodyPr>
+          <a:lstStyle/>
+          <a:p>
+            <a:r>
+              <a:rPr lang="zh-TW" altLang="en-US" sz="1200" dirty="0"/>
+              <a:t>Method: POST</a:t>
+            </a:r>
+          </a:p>
+          <a:p>
+            <a:r>
+              <a:rPr lang="zh-TW" altLang="en-US" sz="1200" dirty="0"/>
+              <a:t>URL: http://localhost:8000/api/v1/getBillMaster&amp;BillDetailStream</a:t>
+            </a:r>
+          </a:p>
+          <a:p>
+            <a:r>
+              <a:rPr lang="zh-TW" altLang="en-US" sz="1200" dirty="0"/>
+              <a:t>Post Body:</a:t>
+            </a:r>
+            <a:endParaRPr lang="en-US" altLang="zh-TW" sz="1200" dirty="0"/>
+          </a:p>
+          <a:p>
+            <a:endParaRPr lang="en-US" altLang="zh-TW" sz="1200" dirty="0"/>
+          </a:p>
+          <a:p>
+            <a:r>
+              <a:rPr lang="en" altLang="zh-TW" sz="1200" dirty="0"/>
+              <a:t>{</a:t>
+            </a:r>
+          </a:p>
+          <a:p>
+            <a:pPr lvl="1"/>
+            <a:r>
+              <a:rPr lang="en" altLang="zh-TW" sz="1200" dirty="0"/>
+              <a:t>"</a:t>
+            </a:r>
+            <a:r>
+              <a:rPr lang="en" altLang="zh-TW" sz="1200" dirty="0" err="1"/>
+              <a:t>BillingNo</a:t>
+            </a:r>
+            <a:r>
+              <a:rPr lang="en" altLang="zh-TW" sz="1200" dirty="0"/>
+              <a:t>": "</a:t>
+            </a:r>
+            <a:r>
+              <a:rPr lang="en" altLang="zh-TW" sz="1200" dirty="0" err="1"/>
+              <a:t>testNo</a:t>
+            </a:r>
+            <a:r>
+              <a:rPr lang="en" altLang="zh-TW" sz="1200" dirty="0"/>
+              <a:t>.",</a:t>
+            </a:r>
+          </a:p>
+          <a:p>
+            <a:pPr lvl="1"/>
+            <a:r>
+              <a:rPr lang="en" altLang="zh-TW" sz="1200" dirty="0"/>
+              <a:t>"</a:t>
+            </a:r>
+            <a:r>
+              <a:rPr lang="en" altLang="zh-TW" sz="1200" dirty="0" err="1"/>
+              <a:t>InvoiceMaster</a:t>
+            </a:r>
+            <a:r>
+              <a:rPr lang="en" altLang="zh-TW" sz="1200" dirty="0"/>
+              <a:t>": [</a:t>
+            </a:r>
+          </a:p>
+          <a:p>
+            <a:pPr lvl="2"/>
+            <a:r>
+              <a:rPr lang="en" altLang="zh-TW" sz="1200" dirty="0"/>
+              <a:t>{...},</a:t>
+            </a:r>
+          </a:p>
+          <a:p>
+            <a:pPr lvl="2"/>
+            <a:r>
+              <a:rPr lang="en" altLang="zh-TW" sz="1200" dirty="0"/>
+              <a:t>{...},</a:t>
+            </a:r>
+          </a:p>
+          <a:p>
+            <a:pPr lvl="2"/>
+            <a:r>
+              <a:rPr lang="en" altLang="zh-TW" sz="1200" dirty="0"/>
+              <a:t>{...}</a:t>
+            </a:r>
+          </a:p>
+          <a:p>
+            <a:pPr lvl="1"/>
+            <a:r>
+              <a:rPr lang="en" altLang="zh-TW" sz="1200" dirty="0"/>
+              <a:t>]</a:t>
+            </a:r>
+          </a:p>
+          <a:p>
+            <a:r>
+              <a:rPr lang="en" altLang="zh-TW" sz="1200" dirty="0"/>
+              <a:t>}</a:t>
+            </a:r>
+            <a:endParaRPr lang="zh-TW" altLang="en-US" sz="1200" dirty="0"/>
+          </a:p>
+        </p:txBody>
+      </p:sp>
+      <p:pic>
+        <p:nvPicPr>
+          <p:cNvPr id="9" name="圖片 8">
+            <a:extLst>
+              <a:ext uri="{FF2B5EF4-FFF2-40B4-BE49-F238E27FC236}">
+                <a16:creationId xmlns:a16="http://schemas.microsoft.com/office/drawing/2014/main" id="{229175DF-5569-3966-A915-4316C8784CCE}"/>
+              </a:ext>
+            </a:extLst>
+          </p:cNvPr>
+          <p:cNvPicPr>
+            <a:picLocks noChangeAspect="1"/>
+          </p:cNvPicPr>
+          <p:nvPr/>
+        </p:nvPicPr>
+        <p:blipFill>
+          <a:blip r:embed="rId3">
+            <a:extLst>
+              <a:ext uri="{28A0092B-C50C-407E-A947-70E740481C1C}">
+                <a14:useLocalDpi xmlns:a14="http://schemas.microsoft.com/office/drawing/2010/main" val="0"/>
+              </a:ext>
+            </a:extLst>
+          </a:blip>
+          <a:stretch>
+            <a:fillRect/>
+          </a:stretch>
+        </p:blipFill>
+        <p:spPr>
+          <a:xfrm>
+            <a:off x="4206896" y="3165843"/>
+            <a:ext cx="4130770" cy="2525170"/>
+          </a:xfrm>
+          <a:prstGeom prst="rect">
+            <a:avLst/>
+          </a:prstGeom>
+        </p:spPr>
+      </p:pic>
+      <p:sp>
+        <p:nvSpPr>
+          <p:cNvPr id="11" name="文字方塊 10">
+            <a:extLst>
+              <a:ext uri="{FF2B5EF4-FFF2-40B4-BE49-F238E27FC236}">
+                <a16:creationId xmlns:a16="http://schemas.microsoft.com/office/drawing/2014/main" id="{6290C638-28DD-2C83-FD0B-B7E16DB3F297}"/>
+              </a:ext>
+            </a:extLst>
+          </p:cNvPr>
+          <p:cNvSpPr txBox="1"/>
+          <p:nvPr/>
+        </p:nvSpPr>
+        <p:spPr>
+          <a:xfrm>
+            <a:off x="8412481" y="720674"/>
+            <a:ext cx="6180512" cy="5632311"/>
+          </a:xfrm>
+          <a:prstGeom prst="rect">
+            <a:avLst/>
+          </a:prstGeom>
+          <a:noFill/>
+        </p:spPr>
+        <p:txBody>
+          <a:bodyPr wrap="square">
+            <a:spAutoFit/>
+          </a:bodyPr>
+          <a:lstStyle/>
+          <a:p>
+            <a:r>
+              <a:rPr lang="zh-TW" altLang="en-US" sz="800" dirty="0"/>
+              <a:t>{</a:t>
+            </a:r>
+          </a:p>
+          <a:p>
+            <a:r>
+              <a:rPr lang="zh-TW" altLang="en-US" sz="800" dirty="0"/>
+              <a:t>        "message": "success",</a:t>
+            </a:r>
+          </a:p>
+          <a:p>
+            <a:r>
+              <a:rPr lang="zh-TW" altLang="en-US" sz="800" dirty="0"/>
+              <a:t>        "BillMaster": {</a:t>
+            </a:r>
+          </a:p>
+          <a:p>
+            <a:r>
+              <a:rPr lang="zh-TW" altLang="en-US" sz="800" dirty="0"/>
+              <a:t>            "BillMasterID": int,</a:t>
+            </a:r>
+          </a:p>
+          <a:p>
+            <a:r>
+              <a:rPr lang="zh-TW" altLang="en-US" sz="800" dirty="0"/>
+              <a:t>            "BillingNo": str,</a:t>
+            </a:r>
+          </a:p>
+          <a:p>
+            <a:r>
+              <a:rPr lang="zh-TW" altLang="en-US" sz="800" dirty="0"/>
+              <a:t>            "PartyName": str,</a:t>
+            </a:r>
+          </a:p>
+          <a:p>
+            <a:r>
+              <a:rPr lang="zh-TW" altLang="en-US" sz="800" dirty="0"/>
+              <a:t>            "SubmarineCable": str,</a:t>
+            </a:r>
+          </a:p>
+          <a:p>
+            <a:r>
+              <a:rPr lang="zh-TW" altLang="en-US" sz="800" dirty="0"/>
+              <a:t>            "WorkTitle": str,</a:t>
+            </a:r>
+          </a:p>
+          <a:p>
+            <a:r>
+              <a:rPr lang="zh-TW" altLang="en-US" sz="800" dirty="0"/>
+              <a:t>            "IssueDate": datetime,</a:t>
+            </a:r>
+          </a:p>
+          <a:p>
+            <a:r>
+              <a:rPr lang="zh-TW" altLang="en-US" sz="800" dirty="0"/>
+              <a:t>            "DueDate": datetime,</a:t>
+            </a:r>
+          </a:p>
+          <a:p>
+            <a:r>
+              <a:rPr lang="zh-TW" altLang="en-US" sz="800" dirty="0"/>
+              <a:t>            "FeeAmountSum": float,</a:t>
+            </a:r>
+          </a:p>
+          <a:p>
+            <a:r>
+              <a:rPr lang="zh-TW" altLang="en-US" sz="800" dirty="0"/>
+              <a:t>            "ReceivedAmountSum": float,</a:t>
+            </a:r>
+          </a:p>
+          <a:p>
+            <a:r>
+              <a:rPr lang="zh-TW" altLang="en-US" sz="800" dirty="0"/>
+              <a:t>            "IsPro": bool,</a:t>
+            </a:r>
+          </a:p>
+          <a:p>
+            <a:r>
+              <a:rPr lang="zh-TW" altLang="en-US" sz="800" dirty="0"/>
+              <a:t>            "Status": str</a:t>
+            </a:r>
+          </a:p>
+          <a:p>
+            <a:r>
+              <a:rPr lang="zh-TW" altLang="en-US" sz="800" dirty="0"/>
+              <a:t>        },</a:t>
+            </a:r>
+          </a:p>
+          <a:p>
+            <a:r>
+              <a:rPr lang="zh-TW" altLang="en-US" sz="800" dirty="0"/>
+              <a:t>        "BillDetail": [</a:t>
+            </a:r>
+          </a:p>
+          <a:p>
+            <a:r>
+              <a:rPr lang="zh-TW" altLang="en-US" sz="800" dirty="0"/>
+              <a:t>            {</a:t>
+            </a:r>
+          </a:p>
+          <a:p>
+            <a:r>
+              <a:rPr lang="zh-TW" altLang="en-US" sz="800" dirty="0"/>
+              <a:t>                "BillDetailID": int,</a:t>
+            </a:r>
+          </a:p>
+          <a:p>
+            <a:r>
+              <a:rPr lang="zh-TW" altLang="en-US" sz="800" dirty="0"/>
+              <a:t>                "BillMasterID": int,</a:t>
+            </a:r>
+          </a:p>
+          <a:p>
+            <a:r>
+              <a:rPr lang="zh-TW" altLang="en-US" sz="800" dirty="0"/>
+              <a:t>                "WKMasterID": int,</a:t>
+            </a:r>
+          </a:p>
+          <a:p>
+            <a:r>
+              <a:rPr lang="zh-TW" altLang="en-US" sz="800" dirty="0"/>
+              <a:t>                "InvDetailID": int,</a:t>
+            </a:r>
+          </a:p>
+          <a:p>
+            <a:r>
+              <a:rPr lang="zh-TW" altLang="en-US" sz="800" dirty="0"/>
+              <a:t>                "PartyName": str,</a:t>
+            </a:r>
+          </a:p>
+          <a:p>
+            <a:r>
+              <a:rPr lang="zh-TW" altLang="en-US" sz="800" dirty="0"/>
+              <a:t>                "SupplierName": str,</a:t>
+            </a:r>
+          </a:p>
+          <a:p>
+            <a:r>
+              <a:rPr lang="zh-TW" altLang="en-US" sz="800" dirty="0"/>
+              <a:t>                "SubmarineCable": str,</a:t>
+            </a:r>
+          </a:p>
+          <a:p>
+            <a:r>
+              <a:rPr lang="zh-TW" altLang="en-US" sz="800" dirty="0"/>
+              <a:t>                "WorkTitle": str,</a:t>
+            </a:r>
+          </a:p>
+          <a:p>
+            <a:r>
+              <a:rPr lang="zh-TW" altLang="en-US" sz="800" dirty="0"/>
+              <a:t>                "BillMilestone": str,</a:t>
+            </a:r>
+          </a:p>
+          <a:p>
+            <a:r>
+              <a:rPr lang="zh-TW" altLang="en-US" sz="800" dirty="0"/>
+              <a:t>                "FeeItem": str,</a:t>
+            </a:r>
+          </a:p>
+          <a:p>
+            <a:r>
+              <a:rPr lang="zh-TW" altLang="en-US" sz="800" dirty="0"/>
+              <a:t>                "OrgFeeAmount": float,</a:t>
+            </a:r>
+          </a:p>
+          <a:p>
+            <a:r>
+              <a:rPr lang="zh-TW" altLang="en-US" sz="800" dirty="0"/>
+              <a:t>                "DedAmount": float,</a:t>
+            </a:r>
+          </a:p>
+          <a:p>
+            <a:r>
+              <a:rPr lang="zh-TW" altLang="en-US" sz="800" dirty="0"/>
+              <a:t>                "FeeAmount": float,</a:t>
+            </a:r>
+          </a:p>
+          <a:p>
+            <a:r>
+              <a:rPr lang="zh-TW" altLang="en-US" sz="800" dirty="0"/>
+              <a:t>                "ReceivedAmount": float,</a:t>
+            </a:r>
+          </a:p>
+          <a:p>
+            <a:r>
+              <a:rPr lang="zh-TW" altLang="en-US" sz="800" dirty="0"/>
+              <a:t>                "OverAmount": float,</a:t>
+            </a:r>
+          </a:p>
+          <a:p>
+            <a:r>
+              <a:rPr lang="zh-TW" altLang="en-US" sz="800" dirty="0"/>
+              <a:t>                "ShortAmount": float,</a:t>
+            </a:r>
+          </a:p>
+          <a:p>
+            <a:r>
+              <a:rPr lang="zh-TW" altLang="en-US" sz="800" dirty="0"/>
+              <a:t>                "BankFees": float,</a:t>
+            </a:r>
+          </a:p>
+          <a:p>
+            <a:r>
+              <a:rPr lang="zh-TW" altLang="en-US" sz="800" dirty="0"/>
+              <a:t>                "ShortOverReason": str,</a:t>
+            </a:r>
+          </a:p>
+          <a:p>
+            <a:r>
+              <a:rPr lang="zh-TW" altLang="en-US" sz="800" dirty="0"/>
+              <a:t>                "WriteOffDate": datetime,</a:t>
+            </a:r>
+          </a:p>
+          <a:p>
+            <a:r>
+              <a:rPr lang="zh-TW" altLang="en-US" sz="800" dirty="0"/>
+              <a:t>                "ReceiveDate": datetime,</a:t>
+            </a:r>
+          </a:p>
+          <a:p>
+            <a:r>
+              <a:rPr lang="zh-TW" altLang="en-US" sz="800" dirty="0"/>
+              <a:t>                "Note": str,</a:t>
+            </a:r>
+          </a:p>
+          <a:p>
+            <a:r>
+              <a:rPr lang="zh-TW" altLang="en-US" sz="800" dirty="0"/>
+              <a:t>                "ToCBAmount": str,</a:t>
+            </a:r>
+          </a:p>
+          <a:p>
+            <a:r>
+              <a:rPr lang="zh-TW" altLang="en-US" sz="800" dirty="0"/>
+              <a:t>                "Status": str</a:t>
+            </a:r>
+          </a:p>
+          <a:p>
+            <a:r>
+              <a:rPr lang="zh-TW" altLang="en-US" sz="800" dirty="0"/>
+              <a:t>            },</a:t>
+            </a:r>
+          </a:p>
+          <a:p>
+            <a:r>
+              <a:rPr lang="zh-TW" altLang="en-US" sz="800" dirty="0"/>
+              <a:t>            {...},</a:t>
+            </a:r>
+          </a:p>
+          <a:p>
+            <a:r>
+              <a:rPr lang="zh-TW" altLang="en-US" sz="800" dirty="0"/>
+              <a:t>            {...}</a:t>
+            </a:r>
+          </a:p>
+          <a:p>
+            <a:r>
+              <a:rPr lang="zh-TW" altLang="en-US" sz="800" dirty="0"/>
+              <a:t>        ],</a:t>
+            </a:r>
+          </a:p>
+          <a:p>
+            <a:r>
+              <a:rPr lang="zh-TW" altLang="en-US" sz="800" dirty="0"/>
+              <a:t>}</a:t>
+            </a:r>
+          </a:p>
+        </p:txBody>
+      </p:sp>
+    </p:spTree>
+    <p:extLst>
+      <p:ext uri="{BB962C8B-B14F-4D97-AF65-F5344CB8AC3E}">
+        <p14:creationId xmlns:p14="http://schemas.microsoft.com/office/powerpoint/2010/main" val="3823139557"/>
+      </p:ext>
+    </p:extLst>
+  </p:cSld>
+  <p:clrMapOvr>
+    <a:masterClrMapping/>
+  </p:clrMapOvr>
+</p:sld>
+</file>
+
+<file path=ppt/slides/slide5.xml><?xml version="1.0" encoding="utf-8"?>
+<p:sld xmlns:a="http://schemas.openxmlformats.org/drawingml/2006/main" xmlns:r="http://schemas.openxmlformats.org/officeDocument/2006/relationships" xmlns:p="http://schemas.openxmlformats.org/presentationml/2006/main">
+  <p:cSld>
+    <p:spTree>
+      <p:nvGrpSpPr>
+        <p:cNvPr id="1" name=""/>
+        <p:cNvGrpSpPr/>
+        <p:nvPr/>
+      </p:nvGrpSpPr>
+      <p:grpSpPr>
+        <a:xfrm>
+          <a:off x="0" y="0"/>
+          <a:ext cx="0" cy="0"/>
+          <a:chOff x="0" y="0"/>
+          <a:chExt cx="0" cy="0"/>
+        </a:xfrm>
+      </p:grpSpPr>
+      <p:sp>
+        <p:nvSpPr>
+          <p:cNvPr id="2" name="標題 1">
+            <a:extLst>
+              <a:ext uri="{FF2B5EF4-FFF2-40B4-BE49-F238E27FC236}">
+                <a16:creationId xmlns:a16="http://schemas.microsoft.com/office/drawing/2014/main" id="{C4581E20-ADF0-3825-5476-CF68EF5EFA73}"/>
+              </a:ext>
+            </a:extLst>
+          </p:cNvPr>
+          <p:cNvSpPr>
+            <a:spLocks noGrp="1"/>
+          </p:cNvSpPr>
+          <p:nvPr>
+            <p:ph type="title"/>
+          </p:nvPr>
+        </p:nvSpPr>
+        <p:spPr/>
+        <p:txBody>
+          <a:bodyPr/>
+          <a:lstStyle/>
+          <a:p>
+            <a:r>
+              <a:rPr lang="zh-TW" altLang="en-US" dirty="0">
+                <a:latin typeface="BiauKai" panose="02010601000101010101" pitchFamily="2" charset="-120"/>
+                <a:ea typeface="BiauKai" panose="02010601000101010101" pitchFamily="2" charset="-120"/>
+              </a:rPr>
+              <a:t>做完</a:t>
+            </a:r>
+            <a:r>
+              <a:rPr lang="en-US" altLang="zh-TW" dirty="0">
+                <a:latin typeface="BiauKai" panose="02010601000101010101" pitchFamily="2" charset="-120"/>
+                <a:ea typeface="BiauKai" panose="02010601000101010101" pitchFamily="2" charset="-120"/>
+              </a:rPr>
+              <a:t>CB</a:t>
+            </a:r>
+            <a:r>
+              <a:rPr lang="zh-TW" altLang="en-US" dirty="0">
+                <a:latin typeface="BiauKai" panose="02010601000101010101" pitchFamily="2" charset="-120"/>
+                <a:ea typeface="BiauKai" panose="02010601000101010101" pitchFamily="2" charset="-120"/>
+              </a:rPr>
+              <a:t>抵扣後退回</a:t>
+            </a:r>
+            <a:r>
+              <a:rPr lang="en-US" altLang="zh-TW" dirty="0">
+                <a:latin typeface="BiauKai" panose="02010601000101010101" pitchFamily="2" charset="-120"/>
+                <a:ea typeface="BiauKai" panose="02010601000101010101" pitchFamily="2" charset="-120"/>
+              </a:rPr>
+              <a:t>-</a:t>
+            </a:r>
+            <a:r>
+              <a:rPr lang="zh-TW" altLang="en-US" dirty="0">
+                <a:latin typeface="BiauKai" panose="02010601000101010101" pitchFamily="2" charset="-120"/>
+                <a:ea typeface="BiauKai" panose="02010601000101010101" pitchFamily="2" charset="-120"/>
+              </a:rPr>
+              <a:t>待合併</a:t>
+            </a:r>
+            <a:r>
+              <a:rPr lang="en-US" altLang="zh-TW" dirty="0">
+                <a:latin typeface="BiauKai" panose="02010601000101010101" pitchFamily="2" charset="-120"/>
+                <a:ea typeface="BiauKai" panose="02010601000101010101" pitchFamily="2" charset="-120"/>
+              </a:rPr>
+              <a:t>(</a:t>
+            </a:r>
+            <a:r>
+              <a:rPr lang="zh-TW" altLang="en-US" dirty="0">
+                <a:latin typeface="BiauKai" panose="02010601000101010101" pitchFamily="2" charset="-120"/>
+                <a:ea typeface="BiauKai" panose="02010601000101010101" pitchFamily="2" charset="-120"/>
+              </a:rPr>
+              <a:t>合併後送出</a:t>
+            </a:r>
+            <a:r>
+              <a:rPr lang="en-US" altLang="zh-TW" dirty="0">
+                <a:latin typeface="BiauKai" panose="02010601000101010101" pitchFamily="2" charset="-120"/>
+                <a:ea typeface="BiauKai" panose="02010601000101010101" pitchFamily="2" charset="-120"/>
+              </a:rPr>
+              <a:t>)</a:t>
+            </a:r>
+            <a:endParaRPr kumimoji="1" lang="zh-TW" altLang="en-US" dirty="0"/>
+          </a:p>
+        </p:txBody>
+      </p:sp>
+      <p:pic>
+        <p:nvPicPr>
+          <p:cNvPr id="5" name="圖片 4">
+            <a:extLst>
+              <a:ext uri="{FF2B5EF4-FFF2-40B4-BE49-F238E27FC236}">
+                <a16:creationId xmlns:a16="http://schemas.microsoft.com/office/drawing/2014/main" id="{4DCB5CFD-EFCB-8914-29AE-4E42B8921407}"/>
+              </a:ext>
+            </a:extLst>
+          </p:cNvPr>
+          <p:cNvPicPr>
+            <a:picLocks noChangeAspect="1"/>
+          </p:cNvPicPr>
+          <p:nvPr/>
+        </p:nvPicPr>
+        <p:blipFill>
+          <a:blip r:embed="rId2">
+            <a:extLst>
+              <a:ext uri="{28A0092B-C50C-407E-A947-70E740481C1C}">
+                <a14:useLocalDpi xmlns:a14="http://schemas.microsoft.com/office/drawing/2010/main" val="0"/>
+              </a:ext>
+            </a:extLst>
+          </a:blip>
+          <a:stretch>
+            <a:fillRect/>
+          </a:stretch>
+        </p:blipFill>
+        <p:spPr>
+          <a:xfrm>
+            <a:off x="950976" y="1690688"/>
+            <a:ext cx="4418137" cy="2700840"/>
+          </a:xfrm>
+          <a:prstGeom prst="rect">
+            <a:avLst/>
+          </a:prstGeom>
+        </p:spPr>
+      </p:pic>
+      <p:sp>
+        <p:nvSpPr>
+          <p:cNvPr id="7" name="文字方塊 6">
+            <a:extLst>
+              <a:ext uri="{FF2B5EF4-FFF2-40B4-BE49-F238E27FC236}">
+                <a16:creationId xmlns:a16="http://schemas.microsoft.com/office/drawing/2014/main" id="{56DC8E22-206C-287F-93CD-01E4D9A7F605}"/>
+              </a:ext>
+            </a:extLst>
+          </p:cNvPr>
+          <p:cNvSpPr txBox="1"/>
+          <p:nvPr/>
+        </p:nvSpPr>
+        <p:spPr>
+          <a:xfrm>
+            <a:off x="950975" y="4622399"/>
+            <a:ext cx="6051073" cy="1200329"/>
+          </a:xfrm>
+          <a:prstGeom prst="rect">
+            <a:avLst/>
+          </a:prstGeom>
+          <a:noFill/>
+        </p:spPr>
+        <p:txBody>
+          <a:bodyPr wrap="square">
+            <a:spAutoFit/>
+          </a:bodyPr>
+          <a:lstStyle/>
+          <a:p>
+            <a:r>
+              <a:rPr lang="zh-TW" altLang="en-US" sz="1200" dirty="0"/>
+              <a:t>Step1. 檢查帳單號碼</a:t>
+            </a:r>
+          </a:p>
+          <a:p>
+            <a:r>
+              <a:rPr lang="zh-TW" altLang="en-US" sz="1200" dirty="0"/>
+              <a:t>Method: GET</a:t>
+            </a:r>
+          </a:p>
+          <a:p>
+            <a:r>
+              <a:rPr lang="zh-TW" altLang="en-US" sz="1200" dirty="0"/>
+              <a:t>URL: </a:t>
+            </a:r>
+            <a:r>
+              <a:rPr lang="zh-TW" altLang="en-US" sz="1200" dirty="0">
+                <a:hlinkClick r:id="rId3"/>
+              </a:rPr>
+              <a:t>http://localhost:8000/api/v1/checkBillingNo/</a:t>
+            </a:r>
+            <a:r>
+              <a:rPr lang="zh-TW" altLang="en-US" sz="1200" dirty="0">
+                <a:highlight>
+                  <a:srgbClr val="FFFF00"/>
+                </a:highlight>
+                <a:hlinkClick r:id="rId3"/>
+              </a:rPr>
+              <a:t>{BillingNo}</a:t>
+            </a:r>
+            <a:endParaRPr lang="en-US" altLang="zh-TW" sz="1200" dirty="0">
+              <a:highlight>
+                <a:srgbClr val="FFFF00"/>
+              </a:highlight>
+            </a:endParaRPr>
+          </a:p>
+          <a:p>
+            <a:r>
+              <a:rPr lang="zh-TW" altLang="en-US" sz="1200" dirty="0"/>
+              <a:t>回傳內容</a:t>
+            </a:r>
+            <a:r>
+              <a:rPr lang="en-US" altLang="zh-TW" sz="1200" dirty="0"/>
+              <a:t>: </a:t>
+            </a:r>
+            <a:br>
+              <a:rPr lang="en-US" altLang="zh-TW" sz="1200" dirty="0"/>
+            </a:br>
+            <a:r>
+              <a:rPr lang="en-US" altLang="zh-TW" sz="1200" dirty="0"/>
+              <a:t>    1. {"</a:t>
+            </a:r>
+            <a:r>
+              <a:rPr lang="en" altLang="zh-TW" sz="1200" dirty="0"/>
+              <a:t>message": "</a:t>
+            </a:r>
+            <a:r>
+              <a:rPr lang="en" altLang="zh-TW" sz="1200" dirty="0" err="1"/>
+              <a:t>BillingNo</a:t>
+            </a:r>
+            <a:r>
+              <a:rPr lang="en" altLang="zh-TW" sz="1200" dirty="0"/>
+              <a:t> is not exist"} </a:t>
+            </a:r>
+            <a:br>
+              <a:rPr lang="en" altLang="zh-TW" sz="1200" dirty="0"/>
+            </a:br>
+            <a:r>
+              <a:rPr lang="en" altLang="zh-TW" sz="1200" dirty="0"/>
+              <a:t>    2. {"message": "</a:t>
+            </a:r>
+            <a:r>
+              <a:rPr lang="en" altLang="zh-TW" sz="1200" dirty="0" err="1"/>
+              <a:t>BillingNo</a:t>
+            </a:r>
+            <a:r>
+              <a:rPr lang="en" altLang="zh-TW" sz="1200" dirty="0"/>
+              <a:t> is exist"}</a:t>
+            </a:r>
+            <a:endParaRPr lang="zh-TW" altLang="en-US" sz="1200" dirty="0"/>
+          </a:p>
+        </p:txBody>
+      </p:sp>
+      <p:sp>
+        <p:nvSpPr>
+          <p:cNvPr id="8" name="矩形 7">
+            <a:extLst>
+              <a:ext uri="{FF2B5EF4-FFF2-40B4-BE49-F238E27FC236}">
+                <a16:creationId xmlns:a16="http://schemas.microsoft.com/office/drawing/2014/main" id="{E4F3E99A-650B-9586-B91E-526214D6449C}"/>
+              </a:ext>
+            </a:extLst>
+          </p:cNvPr>
+          <p:cNvSpPr/>
+          <p:nvPr/>
+        </p:nvSpPr>
+        <p:spPr>
+          <a:xfrm>
+            <a:off x="3031299" y="2705622"/>
+            <a:ext cx="1290180" cy="225468"/>
+          </a:xfrm>
+          <a:prstGeom prst="rect">
+            <a:avLst/>
+          </a:prstGeom>
+          <a:noFill/>
+          <a:ln>
+            <a:solidFill>
+              <a:srgbClr val="FF0000"/>
+            </a:solidFill>
+          </a:ln>
+        </p:spPr>
+        <p:style>
+          <a:lnRef idx="2">
+            <a:schemeClr val="accent1">
+              <a:shade val="50000"/>
+            </a:schemeClr>
+          </a:lnRef>
+          <a:fillRef idx="1">
+            <a:schemeClr val="accent1"/>
+          </a:fillRef>
+          <a:effectRef idx="0">
+            <a:schemeClr val="accent1"/>
+          </a:effectRef>
+          <a:fontRef idx="minor">
+            <a:schemeClr val="lt1"/>
+          </a:fontRef>
+        </p:style>
+        <p:txBody>
+          <a:bodyPr rtlCol="0" anchor="ctr"/>
+          <a:lstStyle/>
+          <a:p>
+            <a:pPr algn="ctr"/>
+            <a:endParaRPr kumimoji="1" lang="zh-TW" altLang="en-US"/>
+          </a:p>
+        </p:txBody>
+      </p:sp>
+      <p:cxnSp>
+        <p:nvCxnSpPr>
+          <p:cNvPr id="10" name="直線箭頭接點 9">
+            <a:extLst>
+              <a:ext uri="{FF2B5EF4-FFF2-40B4-BE49-F238E27FC236}">
+                <a16:creationId xmlns:a16="http://schemas.microsoft.com/office/drawing/2014/main" id="{6B2F55BC-E618-F4FC-F026-C7C7DB8E44F2}"/>
+              </a:ext>
+            </a:extLst>
+          </p:cNvPr>
+          <p:cNvCxnSpPr>
+            <a:stCxn id="8" idx="2"/>
+          </p:cNvCxnSpPr>
+          <p:nvPr/>
+        </p:nvCxnSpPr>
+        <p:spPr>
+          <a:xfrm>
+            <a:off x="3676389" y="2931090"/>
+            <a:ext cx="751562" cy="2148214"/>
+          </a:xfrm>
+          <a:prstGeom prst="straightConnector1">
+            <a:avLst/>
+          </a:prstGeom>
+          <a:ln>
+            <a:solidFill>
+              <a:srgbClr val="FF0000"/>
+            </a:solidFill>
+            <a:tailEnd type="triangle"/>
+          </a:ln>
+        </p:spPr>
+        <p:style>
+          <a:lnRef idx="1">
+            <a:schemeClr val="accent1"/>
+          </a:lnRef>
+          <a:fillRef idx="0">
+            <a:schemeClr val="accent1"/>
+          </a:fillRef>
+          <a:effectRef idx="0">
+            <a:schemeClr val="accent1"/>
+          </a:effectRef>
+          <a:fontRef idx="minor">
+            <a:schemeClr val="tx1"/>
+          </a:fontRef>
+        </p:style>
+      </p:cxnSp>
+    </p:spTree>
+    <p:extLst>
+      <p:ext uri="{BB962C8B-B14F-4D97-AF65-F5344CB8AC3E}">
+        <p14:creationId xmlns:p14="http://schemas.microsoft.com/office/powerpoint/2010/main" val="3749689204"/>
       </p:ext>
     </p:extLst>
   </p:cSld>
